--- a/02-benchmark-why/common-pitfalls.pptx
+++ b/02-benchmark-why/common-pitfalls.pptx
@@ -4,6 +4,9 @@
   <p:sldMasterIdLst>
     <p:sldMasterId id="2147483648" r:id="rId1"/>
   </p:sldMasterIdLst>
+  <p:notesMasterIdLst>
+    <p:notesMasterId r:id="rId25"/>
+  </p:notesMasterIdLst>
   <p:sldIdLst>
     <p:sldId id="256" r:id="rId2"/>
     <p:sldId id="257" r:id="rId3"/>
@@ -126,7 +129,445 @@
       </a:defRPr>
     </a:lvl9pPr>
   </p:defaultTextStyle>
+  <p:extLst>
+    <p:ext uri="{EFAFB233-063F-42B5-8137-9DF3F51BA10A}">
+      <p15:sldGuideLst xmlns:p15="http://schemas.microsoft.com/office/powerpoint/2012/main"/>
+    </p:ext>
+  </p:extLst>
 </p:presentation>
+</file>
+
+<file path=ppt/notesMasters/notesMaster1.xml><?xml version="1.0" encoding="utf-8"?>
+<p:notesMaster xmlns:a="http://schemas.openxmlformats.org/drawingml/2006/main" xmlns:r="http://schemas.openxmlformats.org/officeDocument/2006/relationships" xmlns:p="http://schemas.openxmlformats.org/presentationml/2006/main">
+  <p:cSld>
+    <p:bg>
+      <p:bgRef idx="1001">
+        <a:schemeClr val="bg1"/>
+      </p:bgRef>
+    </p:bg>
+    <p:spTree>
+      <p:nvGrpSpPr>
+        <p:cNvPr id="1" name=""/>
+        <p:cNvGrpSpPr/>
+        <p:nvPr/>
+      </p:nvGrpSpPr>
+      <p:grpSpPr>
+        <a:xfrm>
+          <a:off x="0" y="0"/>
+          <a:ext cx="0" cy="0"/>
+          <a:chOff x="0" y="0"/>
+          <a:chExt cx="0" cy="0"/>
+        </a:xfrm>
+      </p:grpSpPr>
+      <p:sp>
+        <p:nvSpPr>
+          <p:cNvPr id="2" name="Segnaposto intestazione 1"/>
+          <p:cNvSpPr>
+            <a:spLocks noGrp="1"/>
+          </p:cNvSpPr>
+          <p:nvPr>
+            <p:ph type="hdr" sz="quarter"/>
+          </p:nvPr>
+        </p:nvSpPr>
+        <p:spPr>
+          <a:xfrm>
+            <a:off x="0" y="0"/>
+            <a:ext cx="2971800" cy="458788"/>
+          </a:xfrm>
+          <a:prstGeom prst="rect">
+            <a:avLst/>
+          </a:prstGeom>
+        </p:spPr>
+        <p:txBody>
+          <a:bodyPr vert="horz" lIns="91440" tIns="45720" rIns="91440" bIns="45720" rtlCol="0"/>
+          <a:lstStyle>
+            <a:lvl1pPr algn="l">
+              <a:defRPr sz="1200"/>
+            </a:lvl1pPr>
+          </a:lstStyle>
+          <a:p>
+            <a:endParaRPr lang="it-IT"/>
+          </a:p>
+        </p:txBody>
+      </p:sp>
+      <p:sp>
+        <p:nvSpPr>
+          <p:cNvPr id="3" name="Segnaposto data 2"/>
+          <p:cNvSpPr>
+            <a:spLocks noGrp="1"/>
+          </p:cNvSpPr>
+          <p:nvPr>
+            <p:ph type="dt" idx="1"/>
+          </p:nvPr>
+        </p:nvSpPr>
+        <p:spPr>
+          <a:xfrm>
+            <a:off x="3884613" y="0"/>
+            <a:ext cx="2971800" cy="458788"/>
+          </a:xfrm>
+          <a:prstGeom prst="rect">
+            <a:avLst/>
+          </a:prstGeom>
+        </p:spPr>
+        <p:txBody>
+          <a:bodyPr vert="horz" lIns="91440" tIns="45720" rIns="91440" bIns="45720" rtlCol="0"/>
+          <a:lstStyle>
+            <a:lvl1pPr algn="r">
+              <a:defRPr sz="1200"/>
+            </a:lvl1pPr>
+          </a:lstStyle>
+          <a:p>
+            <a:fld id="{C899BF2B-B041-45F2-B10C-66242318917D}" type="datetimeFigureOut">
+              <a:rPr lang="it-IT" smtClean="0"/>
+              <a:t>23/09/2019</a:t>
+            </a:fld>
+            <a:endParaRPr lang="it-IT"/>
+          </a:p>
+        </p:txBody>
+      </p:sp>
+      <p:sp>
+        <p:nvSpPr>
+          <p:cNvPr id="4" name="Segnaposto immagine diapositiva 3"/>
+          <p:cNvSpPr>
+            <a:spLocks noGrp="1" noRot="1" noChangeAspect="1"/>
+          </p:cNvSpPr>
+          <p:nvPr>
+            <p:ph type="sldImg" idx="2"/>
+          </p:nvPr>
+        </p:nvSpPr>
+        <p:spPr>
+          <a:xfrm>
+            <a:off x="685800" y="1143000"/>
+            <a:ext cx="5486400" cy="3086100"/>
+          </a:xfrm>
+          <a:prstGeom prst="rect">
+            <a:avLst/>
+          </a:prstGeom>
+          <a:noFill/>
+          <a:ln w="12700">
+            <a:solidFill>
+              <a:prstClr val="black"/>
+            </a:solidFill>
+          </a:ln>
+        </p:spPr>
+        <p:txBody>
+          <a:bodyPr vert="horz" lIns="91440" tIns="45720" rIns="91440" bIns="45720" rtlCol="0" anchor="ctr"/>
+          <a:lstStyle/>
+          <a:p>
+            <a:endParaRPr lang="it-IT"/>
+          </a:p>
+        </p:txBody>
+      </p:sp>
+      <p:sp>
+        <p:nvSpPr>
+          <p:cNvPr id="5" name="Segnaposto note 4"/>
+          <p:cNvSpPr>
+            <a:spLocks noGrp="1"/>
+          </p:cNvSpPr>
+          <p:nvPr>
+            <p:ph type="body" sz="quarter" idx="3"/>
+          </p:nvPr>
+        </p:nvSpPr>
+        <p:spPr>
+          <a:xfrm>
+            <a:off x="685800" y="4400550"/>
+            <a:ext cx="5486400" cy="3600450"/>
+          </a:xfrm>
+          <a:prstGeom prst="rect">
+            <a:avLst/>
+          </a:prstGeom>
+        </p:spPr>
+        <p:txBody>
+          <a:bodyPr vert="horz" lIns="91440" tIns="45720" rIns="91440" bIns="45720" rtlCol="0"/>
+          <a:lstStyle/>
+          <a:p>
+            <a:pPr lvl="0"/>
+            <a:r>
+              <a:rPr lang="it-IT"/>
+              <a:t>Fare clic per modificare gli stili del testo dello schema</a:t>
+            </a:r>
+          </a:p>
+          <a:p>
+            <a:pPr lvl="1"/>
+            <a:r>
+              <a:rPr lang="it-IT"/>
+              <a:t>Secondo livello</a:t>
+            </a:r>
+          </a:p>
+          <a:p>
+            <a:pPr lvl="2"/>
+            <a:r>
+              <a:rPr lang="it-IT"/>
+              <a:t>Terzo livello</a:t>
+            </a:r>
+          </a:p>
+          <a:p>
+            <a:pPr lvl="3"/>
+            <a:r>
+              <a:rPr lang="it-IT"/>
+              <a:t>Quarto livello</a:t>
+            </a:r>
+          </a:p>
+          <a:p>
+            <a:pPr lvl="4"/>
+            <a:r>
+              <a:rPr lang="it-IT"/>
+              <a:t>Quinto livello</a:t>
+            </a:r>
+          </a:p>
+        </p:txBody>
+      </p:sp>
+      <p:sp>
+        <p:nvSpPr>
+          <p:cNvPr id="6" name="Segnaposto piè di pagina 5"/>
+          <p:cNvSpPr>
+            <a:spLocks noGrp="1"/>
+          </p:cNvSpPr>
+          <p:nvPr>
+            <p:ph type="ftr" sz="quarter" idx="4"/>
+          </p:nvPr>
+        </p:nvSpPr>
+        <p:spPr>
+          <a:xfrm>
+            <a:off x="0" y="8685213"/>
+            <a:ext cx="2971800" cy="458787"/>
+          </a:xfrm>
+          <a:prstGeom prst="rect">
+            <a:avLst/>
+          </a:prstGeom>
+        </p:spPr>
+        <p:txBody>
+          <a:bodyPr vert="horz" lIns="91440" tIns="45720" rIns="91440" bIns="45720" rtlCol="0" anchor="b"/>
+          <a:lstStyle>
+            <a:lvl1pPr algn="l">
+              <a:defRPr sz="1200"/>
+            </a:lvl1pPr>
+          </a:lstStyle>
+          <a:p>
+            <a:endParaRPr lang="it-IT"/>
+          </a:p>
+        </p:txBody>
+      </p:sp>
+      <p:sp>
+        <p:nvSpPr>
+          <p:cNvPr id="7" name="Segnaposto numero diapositiva 6"/>
+          <p:cNvSpPr>
+            <a:spLocks noGrp="1"/>
+          </p:cNvSpPr>
+          <p:nvPr>
+            <p:ph type="sldNum" sz="quarter" idx="5"/>
+          </p:nvPr>
+        </p:nvSpPr>
+        <p:spPr>
+          <a:xfrm>
+            <a:off x="3884613" y="8685213"/>
+            <a:ext cx="2971800" cy="458787"/>
+          </a:xfrm>
+          <a:prstGeom prst="rect">
+            <a:avLst/>
+          </a:prstGeom>
+        </p:spPr>
+        <p:txBody>
+          <a:bodyPr vert="horz" lIns="91440" tIns="45720" rIns="91440" bIns="45720" rtlCol="0" anchor="b"/>
+          <a:lstStyle>
+            <a:lvl1pPr algn="r">
+              <a:defRPr sz="1200"/>
+            </a:lvl1pPr>
+          </a:lstStyle>
+          <a:p>
+            <a:fld id="{06E0632D-4AF9-4FC3-849E-4EBE66D3A17A}" type="slidenum">
+              <a:rPr lang="it-IT" smtClean="0"/>
+              <a:t>‹N›</a:t>
+            </a:fld>
+            <a:endParaRPr lang="it-IT"/>
+          </a:p>
+        </p:txBody>
+      </p:sp>
+    </p:spTree>
+    <p:extLst>
+      <p:ext uri="{BB962C8B-B14F-4D97-AF65-F5344CB8AC3E}">
+        <p14:creationId xmlns:p14="http://schemas.microsoft.com/office/powerpoint/2010/main" val="3664247638"/>
+      </p:ext>
+    </p:extLst>
+  </p:cSld>
+  <p:clrMap bg1="lt1" tx1="dk1" bg2="lt2" tx2="dk2" accent1="accent1" accent2="accent2" accent3="accent3" accent4="accent4" accent5="accent5" accent6="accent6" hlink="hlink" folHlink="folHlink"/>
+  <p:notesStyle>
+    <a:lvl1pPr marL="0" algn="l" defTabSz="914400" rtl="0" eaLnBrk="1" latinLnBrk="0" hangingPunct="1">
+      <a:defRPr sz="1200" kern="1200">
+        <a:solidFill>
+          <a:schemeClr val="tx1"/>
+        </a:solidFill>
+        <a:latin typeface="+mn-lt"/>
+        <a:ea typeface="+mn-ea"/>
+        <a:cs typeface="+mn-cs"/>
+      </a:defRPr>
+    </a:lvl1pPr>
+    <a:lvl2pPr marL="457200" algn="l" defTabSz="914400" rtl="0" eaLnBrk="1" latinLnBrk="0" hangingPunct="1">
+      <a:defRPr sz="1200" kern="1200">
+        <a:solidFill>
+          <a:schemeClr val="tx1"/>
+        </a:solidFill>
+        <a:latin typeface="+mn-lt"/>
+        <a:ea typeface="+mn-ea"/>
+        <a:cs typeface="+mn-cs"/>
+      </a:defRPr>
+    </a:lvl2pPr>
+    <a:lvl3pPr marL="914400" algn="l" defTabSz="914400" rtl="0" eaLnBrk="1" latinLnBrk="0" hangingPunct="1">
+      <a:defRPr sz="1200" kern="1200">
+        <a:solidFill>
+          <a:schemeClr val="tx1"/>
+        </a:solidFill>
+        <a:latin typeface="+mn-lt"/>
+        <a:ea typeface="+mn-ea"/>
+        <a:cs typeface="+mn-cs"/>
+      </a:defRPr>
+    </a:lvl3pPr>
+    <a:lvl4pPr marL="1371600" algn="l" defTabSz="914400" rtl="0" eaLnBrk="1" latinLnBrk="0" hangingPunct="1">
+      <a:defRPr sz="1200" kern="1200">
+        <a:solidFill>
+          <a:schemeClr val="tx1"/>
+        </a:solidFill>
+        <a:latin typeface="+mn-lt"/>
+        <a:ea typeface="+mn-ea"/>
+        <a:cs typeface="+mn-cs"/>
+      </a:defRPr>
+    </a:lvl4pPr>
+    <a:lvl5pPr marL="1828800" algn="l" defTabSz="914400" rtl="0" eaLnBrk="1" latinLnBrk="0" hangingPunct="1">
+      <a:defRPr sz="1200" kern="1200">
+        <a:solidFill>
+          <a:schemeClr val="tx1"/>
+        </a:solidFill>
+        <a:latin typeface="+mn-lt"/>
+        <a:ea typeface="+mn-ea"/>
+        <a:cs typeface="+mn-cs"/>
+      </a:defRPr>
+    </a:lvl5pPr>
+    <a:lvl6pPr marL="2286000" algn="l" defTabSz="914400" rtl="0" eaLnBrk="1" latinLnBrk="0" hangingPunct="1">
+      <a:defRPr sz="1200" kern="1200">
+        <a:solidFill>
+          <a:schemeClr val="tx1"/>
+        </a:solidFill>
+        <a:latin typeface="+mn-lt"/>
+        <a:ea typeface="+mn-ea"/>
+        <a:cs typeface="+mn-cs"/>
+      </a:defRPr>
+    </a:lvl6pPr>
+    <a:lvl7pPr marL="2743200" algn="l" defTabSz="914400" rtl="0" eaLnBrk="1" latinLnBrk="0" hangingPunct="1">
+      <a:defRPr sz="1200" kern="1200">
+        <a:solidFill>
+          <a:schemeClr val="tx1"/>
+        </a:solidFill>
+        <a:latin typeface="+mn-lt"/>
+        <a:ea typeface="+mn-ea"/>
+        <a:cs typeface="+mn-cs"/>
+      </a:defRPr>
+    </a:lvl7pPr>
+    <a:lvl8pPr marL="3200400" algn="l" defTabSz="914400" rtl="0" eaLnBrk="1" latinLnBrk="0" hangingPunct="1">
+      <a:defRPr sz="1200" kern="1200">
+        <a:solidFill>
+          <a:schemeClr val="tx1"/>
+        </a:solidFill>
+        <a:latin typeface="+mn-lt"/>
+        <a:ea typeface="+mn-ea"/>
+        <a:cs typeface="+mn-cs"/>
+      </a:defRPr>
+    </a:lvl8pPr>
+    <a:lvl9pPr marL="3657600" algn="l" defTabSz="914400" rtl="0" eaLnBrk="1" latinLnBrk="0" hangingPunct="1">
+      <a:defRPr sz="1200" kern="1200">
+        <a:solidFill>
+          <a:schemeClr val="tx1"/>
+        </a:solidFill>
+        <a:latin typeface="+mn-lt"/>
+        <a:ea typeface="+mn-ea"/>
+        <a:cs typeface="+mn-cs"/>
+      </a:defRPr>
+    </a:lvl9pPr>
+  </p:notesStyle>
+</p:notesMaster>
+</file>
+
+<file path=ppt/notesSlides/notesSlide1.xml><?xml version="1.0" encoding="utf-8"?>
+<p:notes xmlns:a="http://schemas.openxmlformats.org/drawingml/2006/main" xmlns:r="http://schemas.openxmlformats.org/officeDocument/2006/relationships" xmlns:p="http://schemas.openxmlformats.org/presentationml/2006/main">
+  <p:cSld>
+    <p:spTree>
+      <p:nvGrpSpPr>
+        <p:cNvPr id="1" name=""/>
+        <p:cNvGrpSpPr/>
+        <p:nvPr/>
+      </p:nvGrpSpPr>
+      <p:grpSpPr>
+        <a:xfrm>
+          <a:off x="0" y="0"/>
+          <a:ext cx="0" cy="0"/>
+          <a:chOff x="0" y="0"/>
+          <a:chExt cx="0" cy="0"/>
+        </a:xfrm>
+      </p:grpSpPr>
+      <p:sp>
+        <p:nvSpPr>
+          <p:cNvPr id="2" name="Segnaposto immagine diapositiva 1"/>
+          <p:cNvSpPr>
+            <a:spLocks noGrp="1" noRot="1" noChangeAspect="1"/>
+          </p:cNvSpPr>
+          <p:nvPr>
+            <p:ph type="sldImg"/>
+          </p:nvPr>
+        </p:nvSpPr>
+        <p:spPr/>
+      </p:sp>
+      <p:sp>
+        <p:nvSpPr>
+          <p:cNvPr id="3" name="Segnaposto note 2"/>
+          <p:cNvSpPr>
+            <a:spLocks noGrp="1"/>
+          </p:cNvSpPr>
+          <p:nvPr>
+            <p:ph type="body" idx="1"/>
+          </p:nvPr>
+        </p:nvSpPr>
+        <p:spPr/>
+        <p:txBody>
+          <a:bodyPr/>
+          <a:lstStyle/>
+          <a:p>
+            <a:endParaRPr lang="it-IT" dirty="0"/>
+          </a:p>
+        </p:txBody>
+      </p:sp>
+      <p:sp>
+        <p:nvSpPr>
+          <p:cNvPr id="4" name="Segnaposto numero diapositiva 3"/>
+          <p:cNvSpPr>
+            <a:spLocks noGrp="1"/>
+          </p:cNvSpPr>
+          <p:nvPr>
+            <p:ph type="sldNum" sz="quarter" idx="5"/>
+          </p:nvPr>
+        </p:nvSpPr>
+        <p:spPr/>
+        <p:txBody>
+          <a:bodyPr/>
+          <a:lstStyle/>
+          <a:p>
+            <a:fld id="{06E0632D-4AF9-4FC3-849E-4EBE66D3A17A}" type="slidenum">
+              <a:rPr lang="it-IT" smtClean="0"/>
+              <a:t>15</a:t>
+            </a:fld>
+            <a:endParaRPr lang="it-IT"/>
+          </a:p>
+        </p:txBody>
+      </p:sp>
+    </p:spTree>
+    <p:extLst>
+      <p:ext uri="{BB962C8B-B14F-4D97-AF65-F5344CB8AC3E}">
+        <p14:creationId xmlns:p14="http://schemas.microsoft.com/office/powerpoint/2010/main" val="2645002569"/>
+      </p:ext>
+    </p:extLst>
+  </p:cSld>
+  <p:clrMapOvr>
+    <a:masterClrMapping/>
+  </p:clrMapOvr>
+</p:notes>
 </file>
 
 <file path=ppt/slideLayouts/slideLayout1.xml><?xml version="1.0" encoding="utf-8"?>
@@ -276,7 +717,7 @@
           <a:p>
             <a:fld id="{2F0D357D-A6CF-4AD7-97F1-E404DD766F2A}" type="datetimeFigureOut">
               <a:rPr lang="it-IT" smtClean="0"/>
-              <a:t>15/09/2019</a:t>
+              <a:t>23/09/2019</a:t>
             </a:fld>
             <a:endParaRPr lang="it-IT"/>
           </a:p>
@@ -474,7 +915,7 @@
           <a:p>
             <a:fld id="{2F0D357D-A6CF-4AD7-97F1-E404DD766F2A}" type="datetimeFigureOut">
               <a:rPr lang="it-IT" smtClean="0"/>
-              <a:t>15/09/2019</a:t>
+              <a:t>23/09/2019</a:t>
             </a:fld>
             <a:endParaRPr lang="it-IT"/>
           </a:p>
@@ -682,7 +1123,7 @@
           <a:p>
             <a:fld id="{2F0D357D-A6CF-4AD7-97F1-E404DD766F2A}" type="datetimeFigureOut">
               <a:rPr lang="it-IT" smtClean="0"/>
-              <a:t>15/09/2019</a:t>
+              <a:t>23/09/2019</a:t>
             </a:fld>
             <a:endParaRPr lang="it-IT"/>
           </a:p>
@@ -880,7 +1321,7 @@
           <a:p>
             <a:fld id="{2F0D357D-A6CF-4AD7-97F1-E404DD766F2A}" type="datetimeFigureOut">
               <a:rPr lang="it-IT" smtClean="0"/>
-              <a:t>15/09/2019</a:t>
+              <a:t>23/09/2019</a:t>
             </a:fld>
             <a:endParaRPr lang="it-IT"/>
           </a:p>
@@ -1155,7 +1596,7 @@
           <a:p>
             <a:fld id="{2F0D357D-A6CF-4AD7-97F1-E404DD766F2A}" type="datetimeFigureOut">
               <a:rPr lang="it-IT" smtClean="0"/>
-              <a:t>15/09/2019</a:t>
+              <a:t>23/09/2019</a:t>
             </a:fld>
             <a:endParaRPr lang="it-IT"/>
           </a:p>
@@ -1420,7 +1861,7 @@
           <a:p>
             <a:fld id="{2F0D357D-A6CF-4AD7-97F1-E404DD766F2A}" type="datetimeFigureOut">
               <a:rPr lang="it-IT" smtClean="0"/>
-              <a:t>15/09/2019</a:t>
+              <a:t>23/09/2019</a:t>
             </a:fld>
             <a:endParaRPr lang="it-IT"/>
           </a:p>
@@ -1832,7 +2273,7 @@
           <a:p>
             <a:fld id="{2F0D357D-A6CF-4AD7-97F1-E404DD766F2A}" type="datetimeFigureOut">
               <a:rPr lang="it-IT" smtClean="0"/>
-              <a:t>15/09/2019</a:t>
+              <a:t>23/09/2019</a:t>
             </a:fld>
             <a:endParaRPr lang="it-IT"/>
           </a:p>
@@ -1973,7 +2414,7 @@
           <a:p>
             <a:fld id="{2F0D357D-A6CF-4AD7-97F1-E404DD766F2A}" type="datetimeFigureOut">
               <a:rPr lang="it-IT" smtClean="0"/>
-              <a:t>15/09/2019</a:t>
+              <a:t>23/09/2019</a:t>
             </a:fld>
             <a:endParaRPr lang="it-IT"/>
           </a:p>
@@ -2086,7 +2527,7 @@
           <a:p>
             <a:fld id="{2F0D357D-A6CF-4AD7-97F1-E404DD766F2A}" type="datetimeFigureOut">
               <a:rPr lang="it-IT" smtClean="0"/>
-              <a:t>15/09/2019</a:t>
+              <a:t>23/09/2019</a:t>
             </a:fld>
             <a:endParaRPr lang="it-IT"/>
           </a:p>
@@ -2397,7 +2838,7 @@
           <a:p>
             <a:fld id="{2F0D357D-A6CF-4AD7-97F1-E404DD766F2A}" type="datetimeFigureOut">
               <a:rPr lang="it-IT" smtClean="0"/>
-              <a:t>15/09/2019</a:t>
+              <a:t>23/09/2019</a:t>
             </a:fld>
             <a:endParaRPr lang="it-IT"/>
           </a:p>
@@ -2685,7 +3126,7 @@
           <a:p>
             <a:fld id="{2F0D357D-A6CF-4AD7-97F1-E404DD766F2A}" type="datetimeFigureOut">
               <a:rPr lang="it-IT" smtClean="0"/>
-              <a:t>15/09/2019</a:t>
+              <a:t>23/09/2019</a:t>
             </a:fld>
             <a:endParaRPr lang="it-IT"/>
           </a:p>
@@ -2926,7 +3367,7 @@
           <a:p>
             <a:fld id="{2F0D357D-A6CF-4AD7-97F1-E404DD766F2A}" type="datetimeFigureOut">
               <a:rPr lang="it-IT" smtClean="0"/>
-              <a:t>15/09/2019</a:t>
+              <a:t>23/09/2019</a:t>
             </a:fld>
             <a:endParaRPr lang="it-IT"/>
           </a:p>
@@ -3816,6 +4257,36 @@
           </a:prstGeom>
         </p:spPr>
       </p:pic>
+      <p:pic>
+        <p:nvPicPr>
+          <p:cNvPr id="6" name="Immagine 5">
+            <a:extLst>
+              <a:ext uri="{FF2B5EF4-FFF2-40B4-BE49-F238E27FC236}">
+                <a16:creationId xmlns:a16="http://schemas.microsoft.com/office/drawing/2014/main" id="{45EA065E-42D4-4701-B453-F8B99048622B}"/>
+              </a:ext>
+            </a:extLst>
+          </p:cNvPr>
+          <p:cNvPicPr>
+            <a:picLocks noChangeAspect="1"/>
+          </p:cNvPicPr>
+          <p:nvPr/>
+        </p:nvPicPr>
+        <p:blipFill>
+          <a:blip r:embed="rId3"/>
+          <a:stretch>
+            <a:fillRect/>
+          </a:stretch>
+        </p:blipFill>
+        <p:spPr>
+          <a:xfrm>
+            <a:off x="270822" y="1118349"/>
+            <a:ext cx="4096322" cy="457264"/>
+          </a:xfrm>
+          <a:prstGeom prst="rect">
+            <a:avLst/>
+          </a:prstGeom>
+        </p:spPr>
+      </p:pic>
     </p:spTree>
     <p:extLst>
       <p:ext uri="{BB962C8B-B14F-4D97-AF65-F5344CB8AC3E}">
@@ -4060,6 +4531,36 @@
           <a:xfrm>
             <a:off x="3589382" y="262247"/>
             <a:ext cx="8198712" cy="6333506"/>
+          </a:xfrm>
+          <a:prstGeom prst="rect">
+            <a:avLst/>
+          </a:prstGeom>
+        </p:spPr>
+      </p:pic>
+      <p:pic>
+        <p:nvPicPr>
+          <p:cNvPr id="6" name="Immagine 5">
+            <a:extLst>
+              <a:ext uri="{FF2B5EF4-FFF2-40B4-BE49-F238E27FC236}">
+                <a16:creationId xmlns:a16="http://schemas.microsoft.com/office/drawing/2014/main" id="{78223BDF-D296-41D2-AE10-FC902C4E2DAB}"/>
+              </a:ext>
+            </a:extLst>
+          </p:cNvPr>
+          <p:cNvPicPr>
+            <a:picLocks noChangeAspect="1"/>
+          </p:cNvPicPr>
+          <p:nvPr/>
+        </p:nvPicPr>
+        <p:blipFill>
+          <a:blip r:embed="rId3"/>
+          <a:stretch>
+            <a:fillRect/>
+          </a:stretch>
+        </p:blipFill>
+        <p:spPr>
+          <a:xfrm>
+            <a:off x="270822" y="1118349"/>
+            <a:ext cx="4096322" cy="457264"/>
           </a:xfrm>
           <a:prstGeom prst="rect">
             <a:avLst/>
@@ -4316,6 +4817,36 @@
           </a:prstGeom>
         </p:spPr>
       </p:pic>
+      <p:pic>
+        <p:nvPicPr>
+          <p:cNvPr id="3" name="Immagine 2">
+            <a:extLst>
+              <a:ext uri="{FF2B5EF4-FFF2-40B4-BE49-F238E27FC236}">
+                <a16:creationId xmlns:a16="http://schemas.microsoft.com/office/drawing/2014/main" id="{C0F6A45A-87C4-4153-8C7C-83697EF33847}"/>
+              </a:ext>
+            </a:extLst>
+          </p:cNvPr>
+          <p:cNvPicPr>
+            <a:picLocks noChangeAspect="1"/>
+          </p:cNvPicPr>
+          <p:nvPr/>
+        </p:nvPicPr>
+        <p:blipFill>
+          <a:blip r:embed="rId3"/>
+          <a:stretch>
+            <a:fillRect/>
+          </a:stretch>
+        </p:blipFill>
+        <p:spPr>
+          <a:xfrm>
+            <a:off x="270822" y="1118349"/>
+            <a:ext cx="4096322" cy="457264"/>
+          </a:xfrm>
+          <a:prstGeom prst="rect">
+            <a:avLst/>
+          </a:prstGeom>
+        </p:spPr>
+      </p:pic>
     </p:spTree>
     <p:extLst>
       <p:ext uri="{BB962C8B-B14F-4D97-AF65-F5344CB8AC3E}">
@@ -4558,7 +5089,7 @@
         </p:blipFill>
         <p:spPr>
           <a:xfrm>
-            <a:off x="2434883" y="213167"/>
+            <a:off x="3376133" y="980327"/>
             <a:ext cx="4416084" cy="1648030"/>
           </a:xfrm>
           <a:prstGeom prst="rect">
@@ -4588,8 +5119,38 @@
         </p:blipFill>
         <p:spPr>
           <a:xfrm>
-            <a:off x="5726654" y="2427444"/>
+            <a:off x="5584175" y="2619498"/>
             <a:ext cx="6145827" cy="4238502"/>
+          </a:xfrm>
+          <a:prstGeom prst="rect">
+            <a:avLst/>
+          </a:prstGeom>
+        </p:spPr>
+      </p:pic>
+      <p:pic>
+        <p:nvPicPr>
+          <p:cNvPr id="3" name="Immagine 2">
+            <a:extLst>
+              <a:ext uri="{FF2B5EF4-FFF2-40B4-BE49-F238E27FC236}">
+                <a16:creationId xmlns:a16="http://schemas.microsoft.com/office/drawing/2014/main" id="{61258CCC-26C9-44F1-A35F-0F8421902269}"/>
+              </a:ext>
+            </a:extLst>
+          </p:cNvPr>
+          <p:cNvPicPr>
+            <a:picLocks noChangeAspect="1"/>
+          </p:cNvPicPr>
+          <p:nvPr/>
+        </p:nvPicPr>
+        <p:blipFill>
+          <a:blip r:embed="rId4"/>
+          <a:stretch>
+            <a:fillRect/>
+          </a:stretch>
+        </p:blipFill>
+        <p:spPr>
+          <a:xfrm>
+            <a:off x="39435" y="513537"/>
+            <a:ext cx="5687219" cy="466790"/>
           </a:xfrm>
           <a:prstGeom prst="rect">
             <a:avLst/>
@@ -5093,6 +5654,14 @@
           <a:p>
             <a:pPr algn="ctr"/>
             <a:r>
+              <a:rPr lang="en-US" sz="2600" dirty="0">
+                <a:solidFill>
+                  <a:srgbClr val="FFFFFF"/>
+                </a:solidFill>
+              </a:rPr>
+              <a:t>Insufficient Number of Invocations + Infrastructure </a:t>
+            </a:r>
+            <a:r>
               <a:rPr lang="en-US" sz="2600" kern="1200" dirty="0">
                 <a:solidFill>
                   <a:srgbClr val="FFFFFF"/>
@@ -5101,7 +5670,7 @@
                 <a:ea typeface="+mj-ea"/>
                 <a:cs typeface="+mj-cs"/>
               </a:rPr>
-              <a:t>Infrastructure Overhead</a:t>
+              <a:t>Overhead</a:t>
             </a:r>
           </a:p>
         </p:txBody>
@@ -5121,36 +5690,6 @@
           <p:nvPr>
             <p:ph idx="1"/>
           </p:nvPr>
-        </p:nvPicPr>
-        <p:blipFill>
-          <a:blip r:embed="rId2"/>
-          <a:stretch>
-            <a:fillRect/>
-          </a:stretch>
-        </p:blipFill>
-        <p:spPr>
-          <a:xfrm>
-            <a:off x="2238285" y="0"/>
-            <a:ext cx="5155109" cy="1648491"/>
-          </a:xfrm>
-          <a:prstGeom prst="rect">
-            <a:avLst/>
-          </a:prstGeom>
-        </p:spPr>
-      </p:pic>
-      <p:pic>
-        <p:nvPicPr>
-          <p:cNvPr id="6" name="Immagine 5">
-            <a:extLst>
-              <a:ext uri="{FF2B5EF4-FFF2-40B4-BE49-F238E27FC236}">
-                <a16:creationId xmlns:a16="http://schemas.microsoft.com/office/drawing/2014/main" id="{E418B1B6-02C2-41E9-A4E6-F2ECAF556641}"/>
-              </a:ext>
-            </a:extLst>
-          </p:cNvPr>
-          <p:cNvPicPr>
-            <a:picLocks noChangeAspect="1"/>
-          </p:cNvPicPr>
-          <p:nvPr/>
         </p:nvPicPr>
         <p:blipFill>
           <a:blip r:embed="rId3"/>
@@ -5160,8 +5699,98 @@
         </p:blipFill>
         <p:spPr>
           <a:xfrm>
+            <a:off x="391812" y="4996573"/>
+            <a:ext cx="5155109" cy="1648491"/>
+          </a:xfrm>
+          <a:prstGeom prst="rect">
+            <a:avLst/>
+          </a:prstGeom>
+        </p:spPr>
+      </p:pic>
+      <p:pic>
+        <p:nvPicPr>
+          <p:cNvPr id="6" name="Immagine 5">
+            <a:extLst>
+              <a:ext uri="{FF2B5EF4-FFF2-40B4-BE49-F238E27FC236}">
+                <a16:creationId xmlns:a16="http://schemas.microsoft.com/office/drawing/2014/main" id="{E418B1B6-02C2-41E9-A4E6-F2ECAF556641}"/>
+              </a:ext>
+            </a:extLst>
+          </p:cNvPr>
+          <p:cNvPicPr>
+            <a:picLocks noChangeAspect="1"/>
+          </p:cNvPicPr>
+          <p:nvPr/>
+        </p:nvPicPr>
+        <p:blipFill>
+          <a:blip r:embed="rId4"/>
+          <a:stretch>
+            <a:fillRect/>
+          </a:stretch>
+        </p:blipFill>
+        <p:spPr>
+          <a:xfrm>
             <a:off x="6061652" y="1798540"/>
             <a:ext cx="5615617" cy="4909410"/>
+          </a:xfrm>
+          <a:prstGeom prst="rect">
+            <a:avLst/>
+          </a:prstGeom>
+        </p:spPr>
+      </p:pic>
+      <p:pic>
+        <p:nvPicPr>
+          <p:cNvPr id="3" name="Immagine 2">
+            <a:extLst>
+              <a:ext uri="{FF2B5EF4-FFF2-40B4-BE49-F238E27FC236}">
+                <a16:creationId xmlns:a16="http://schemas.microsoft.com/office/drawing/2014/main" id="{8E3F99BF-FE6F-4F61-AFBF-77A546823C0B}"/>
+              </a:ext>
+            </a:extLst>
+          </p:cNvPr>
+          <p:cNvPicPr>
+            <a:picLocks noChangeAspect="1"/>
+          </p:cNvPicPr>
+          <p:nvPr/>
+        </p:nvPicPr>
+        <p:blipFill>
+          <a:blip r:embed="rId5"/>
+          <a:stretch>
+            <a:fillRect/>
+          </a:stretch>
+        </p:blipFill>
+        <p:spPr>
+          <a:xfrm>
+            <a:off x="352136" y="559498"/>
+            <a:ext cx="5249008" cy="409632"/>
+          </a:xfrm>
+          <a:prstGeom prst="rect">
+            <a:avLst/>
+          </a:prstGeom>
+        </p:spPr>
+      </p:pic>
+      <p:pic>
+        <p:nvPicPr>
+          <p:cNvPr id="4" name="Immagine 3">
+            <a:extLst>
+              <a:ext uri="{FF2B5EF4-FFF2-40B4-BE49-F238E27FC236}">
+                <a16:creationId xmlns:a16="http://schemas.microsoft.com/office/drawing/2014/main" id="{63265F8F-BF77-46ED-863F-BCEE1DE97BBA}"/>
+              </a:ext>
+            </a:extLst>
+          </p:cNvPr>
+          <p:cNvPicPr>
+            <a:picLocks noChangeAspect="1"/>
+          </p:cNvPicPr>
+          <p:nvPr/>
+        </p:nvPicPr>
+        <p:blipFill>
+          <a:blip r:embed="rId6"/>
+          <a:stretch>
+            <a:fillRect/>
+          </a:stretch>
+        </p:blipFill>
+        <p:spPr>
+          <a:xfrm>
+            <a:off x="354338" y="1122408"/>
+            <a:ext cx="2953162" cy="514422"/>
           </a:xfrm>
           <a:prstGeom prst="rect">
             <a:avLst/>
@@ -5454,6 +6083,36 @@
           </a:prstGeom>
         </p:spPr>
       </p:pic>
+      <p:pic>
+        <p:nvPicPr>
+          <p:cNvPr id="3" name="Immagine 2">
+            <a:extLst>
+              <a:ext uri="{FF2B5EF4-FFF2-40B4-BE49-F238E27FC236}">
+                <a16:creationId xmlns:a16="http://schemas.microsoft.com/office/drawing/2014/main" id="{E9FD38CD-233D-4129-9C14-EEEB9594298B}"/>
+              </a:ext>
+            </a:extLst>
+          </p:cNvPr>
+          <p:cNvPicPr>
+            <a:picLocks noChangeAspect="1"/>
+          </p:cNvPicPr>
+          <p:nvPr/>
+        </p:nvPicPr>
+        <p:blipFill>
+          <a:blip r:embed="rId4"/>
+          <a:stretch>
+            <a:fillRect/>
+          </a:stretch>
+        </p:blipFill>
+        <p:spPr>
+          <a:xfrm>
+            <a:off x="194864" y="921180"/>
+            <a:ext cx="5010849" cy="485843"/>
+          </a:xfrm>
+          <a:prstGeom prst="rect">
+            <a:avLst/>
+          </a:prstGeom>
+        </p:spPr>
+      </p:pic>
     </p:spTree>
     <p:extLst>
       <p:ext uri="{BB962C8B-B14F-4D97-AF65-F5344CB8AC3E}">
@@ -6258,7 +6917,7 @@
         </p:blipFill>
         <p:spPr>
           <a:xfrm>
-            <a:off x="3806002" y="272495"/>
+            <a:off x="3679393" y="1417567"/>
             <a:ext cx="6050291" cy="4930987"/>
           </a:xfrm>
           <a:prstGeom prst="rect">
@@ -6288,8 +6947,38 @@
         </p:blipFill>
         <p:spPr>
           <a:xfrm>
-            <a:off x="8802806" y="452288"/>
+            <a:off x="8845009" y="1531362"/>
             <a:ext cx="2934109" cy="1086002"/>
+          </a:xfrm>
+          <a:prstGeom prst="rect">
+            <a:avLst/>
+          </a:prstGeom>
+        </p:spPr>
+      </p:pic>
+      <p:pic>
+        <p:nvPicPr>
+          <p:cNvPr id="3" name="Immagine 2">
+            <a:extLst>
+              <a:ext uri="{FF2B5EF4-FFF2-40B4-BE49-F238E27FC236}">
+                <a16:creationId xmlns:a16="http://schemas.microsoft.com/office/drawing/2014/main" id="{FC505F1A-69E0-4F29-8952-8459C350FDA7}"/>
+              </a:ext>
+            </a:extLst>
+          </p:cNvPr>
+          <p:cNvPicPr>
+            <a:picLocks noChangeAspect="1"/>
+          </p:cNvPicPr>
+          <p:nvPr/>
+        </p:nvPicPr>
+        <p:blipFill>
+          <a:blip r:embed="rId4"/>
+          <a:stretch>
+            <a:fillRect/>
+          </a:stretch>
+        </p:blipFill>
+        <p:spPr>
+          <a:xfrm>
+            <a:off x="278247" y="509446"/>
+            <a:ext cx="4629796" cy="485843"/>
           </a:xfrm>
           <a:prstGeom prst="rect">
             <a:avLst/>
@@ -6560,6 +7249,36 @@
           </a:prstGeom>
         </p:spPr>
       </p:pic>
+      <p:pic>
+        <p:nvPicPr>
+          <p:cNvPr id="3" name="Immagine 2">
+            <a:extLst>
+              <a:ext uri="{FF2B5EF4-FFF2-40B4-BE49-F238E27FC236}">
+                <a16:creationId xmlns:a16="http://schemas.microsoft.com/office/drawing/2014/main" id="{C0EE26B1-6E73-4B46-86D4-8363B94413C0}"/>
+              </a:ext>
+            </a:extLst>
+          </p:cNvPr>
+          <p:cNvPicPr>
+            <a:picLocks noChangeAspect="1"/>
+          </p:cNvPicPr>
+          <p:nvPr/>
+        </p:nvPicPr>
+        <p:blipFill>
+          <a:blip r:embed="rId3"/>
+          <a:stretch>
+            <a:fillRect/>
+          </a:stretch>
+        </p:blipFill>
+        <p:spPr>
+          <a:xfrm>
+            <a:off x="170585" y="1122892"/>
+            <a:ext cx="4001058" cy="476316"/>
+          </a:xfrm>
+          <a:prstGeom prst="rect">
+            <a:avLst/>
+          </a:prstGeom>
+        </p:spPr>
+      </p:pic>
     </p:spTree>
     <p:extLst>
       <p:ext uri="{BB962C8B-B14F-4D97-AF65-F5344CB8AC3E}">
@@ -6802,8 +7521,68 @@
         </p:blipFill>
         <p:spPr>
           <a:xfrm>
-            <a:off x="3966865" y="287161"/>
+            <a:off x="4032514" y="1229696"/>
             <a:ext cx="7689783" cy="4192695"/>
+          </a:xfrm>
+          <a:prstGeom prst="rect">
+            <a:avLst/>
+          </a:prstGeom>
+        </p:spPr>
+      </p:pic>
+      <p:pic>
+        <p:nvPicPr>
+          <p:cNvPr id="6" name="Immagine 5">
+            <a:extLst>
+              <a:ext uri="{FF2B5EF4-FFF2-40B4-BE49-F238E27FC236}">
+                <a16:creationId xmlns:a16="http://schemas.microsoft.com/office/drawing/2014/main" id="{82B2AB45-BC2F-4240-96EF-6225B7D62141}"/>
+              </a:ext>
+            </a:extLst>
+          </p:cNvPr>
+          <p:cNvPicPr>
+            <a:picLocks noChangeAspect="1"/>
+          </p:cNvPicPr>
+          <p:nvPr/>
+        </p:nvPicPr>
+        <p:blipFill>
+          <a:blip r:embed="rId3"/>
+          <a:stretch>
+            <a:fillRect/>
+          </a:stretch>
+        </p:blipFill>
+        <p:spPr>
+          <a:xfrm>
+            <a:off x="8057219" y="4767017"/>
+            <a:ext cx="3286584" cy="1609950"/>
+          </a:xfrm>
+          <a:prstGeom prst="rect">
+            <a:avLst/>
+          </a:prstGeom>
+        </p:spPr>
+      </p:pic>
+      <p:pic>
+        <p:nvPicPr>
+          <p:cNvPr id="8" name="Immagine 7">
+            <a:extLst>
+              <a:ext uri="{FF2B5EF4-FFF2-40B4-BE49-F238E27FC236}">
+                <a16:creationId xmlns:a16="http://schemas.microsoft.com/office/drawing/2014/main" id="{2D6EEFA9-F8FF-4822-9D45-A3C94C3BEDF8}"/>
+              </a:ext>
+            </a:extLst>
+          </p:cNvPr>
+          <p:cNvPicPr>
+            <a:picLocks noChangeAspect="1"/>
+          </p:cNvPicPr>
+          <p:nvPr/>
+        </p:nvPicPr>
+        <p:blipFill>
+          <a:blip r:embed="rId4"/>
+          <a:stretch>
+            <a:fillRect/>
+          </a:stretch>
+        </p:blipFill>
+        <p:spPr>
+          <a:xfrm>
+            <a:off x="278247" y="509446"/>
+            <a:ext cx="4629796" cy="485843"/>
           </a:xfrm>
           <a:prstGeom prst="rect">
             <a:avLst/>
@@ -7349,6 +8128,36 @@
           </a:prstGeom>
         </p:spPr>
       </p:pic>
+      <p:pic>
+        <p:nvPicPr>
+          <p:cNvPr id="3" name="Immagine 2">
+            <a:extLst>
+              <a:ext uri="{FF2B5EF4-FFF2-40B4-BE49-F238E27FC236}">
+                <a16:creationId xmlns:a16="http://schemas.microsoft.com/office/drawing/2014/main" id="{1706B28C-719A-468D-941B-0048A39A03EF}"/>
+              </a:ext>
+            </a:extLst>
+          </p:cNvPr>
+          <p:cNvPicPr>
+            <a:picLocks noChangeAspect="1"/>
+          </p:cNvPicPr>
+          <p:nvPr/>
+        </p:nvPicPr>
+        <p:blipFill>
+          <a:blip r:embed="rId4"/>
+          <a:stretch>
+            <a:fillRect/>
+          </a:stretch>
+        </p:blipFill>
+        <p:spPr>
+          <a:xfrm>
+            <a:off x="176548" y="322708"/>
+            <a:ext cx="3353268" cy="476316"/>
+          </a:xfrm>
+          <a:prstGeom prst="rect">
+            <a:avLst/>
+          </a:prstGeom>
+        </p:spPr>
+      </p:pic>
     </p:spTree>
     <p:extLst>
       <p:ext uri="{BB962C8B-B14F-4D97-AF65-F5344CB8AC3E}">
@@ -7599,8 +8408,38 @@
         </p:blipFill>
         <p:spPr>
           <a:xfrm>
-            <a:off x="3647079" y="235975"/>
+            <a:off x="5771300" y="341866"/>
             <a:ext cx="5581327" cy="6075343"/>
+          </a:xfrm>
+          <a:prstGeom prst="rect">
+            <a:avLst/>
+          </a:prstGeom>
+        </p:spPr>
+      </p:pic>
+      <p:pic>
+        <p:nvPicPr>
+          <p:cNvPr id="3" name="Immagine 2">
+            <a:extLst>
+              <a:ext uri="{FF2B5EF4-FFF2-40B4-BE49-F238E27FC236}">
+                <a16:creationId xmlns:a16="http://schemas.microsoft.com/office/drawing/2014/main" id="{1DC1166A-7AAC-4757-9ACA-25A065454421}"/>
+              </a:ext>
+            </a:extLst>
+          </p:cNvPr>
+          <p:cNvPicPr>
+            <a:picLocks noChangeAspect="1"/>
+          </p:cNvPicPr>
+          <p:nvPr/>
+        </p:nvPicPr>
+        <p:blipFill>
+          <a:blip r:embed="rId3"/>
+          <a:stretch>
+            <a:fillRect/>
+          </a:stretch>
+        </p:blipFill>
+        <p:spPr>
+          <a:xfrm>
+            <a:off x="160477" y="1228130"/>
+            <a:ext cx="5229955" cy="409632"/>
           </a:xfrm>
           <a:prstGeom prst="rect">
             <a:avLst/>
@@ -7863,6 +8702,36 @@
           </a:prstGeom>
         </p:spPr>
       </p:pic>
+      <p:pic>
+        <p:nvPicPr>
+          <p:cNvPr id="3" name="Immagine 2">
+            <a:extLst>
+              <a:ext uri="{FF2B5EF4-FFF2-40B4-BE49-F238E27FC236}">
+                <a16:creationId xmlns:a16="http://schemas.microsoft.com/office/drawing/2014/main" id="{41D8A86A-3F57-4E93-90B0-3238831379CD}"/>
+              </a:ext>
+            </a:extLst>
+          </p:cNvPr>
+          <p:cNvPicPr>
+            <a:picLocks noChangeAspect="1"/>
+          </p:cNvPicPr>
+          <p:nvPr/>
+        </p:nvPicPr>
+        <p:blipFill>
+          <a:blip r:embed="rId3"/>
+          <a:stretch>
+            <a:fillRect/>
+          </a:stretch>
+        </p:blipFill>
+        <p:spPr>
+          <a:xfrm>
+            <a:off x="184652" y="1066620"/>
+            <a:ext cx="4001058" cy="476316"/>
+          </a:xfrm>
+          <a:prstGeom prst="rect">
+            <a:avLst/>
+          </a:prstGeom>
+        </p:spPr>
+      </p:pic>
     </p:spTree>
     <p:extLst>
       <p:ext uri="{BB962C8B-B14F-4D97-AF65-F5344CB8AC3E}">
@@ -8107,6 +8976,156 @@
           <a:xfrm>
             <a:off x="4038600" y="2133430"/>
             <a:ext cx="7188199" cy="2587750"/>
+          </a:xfrm>
+          <a:prstGeom prst="rect">
+            <a:avLst/>
+          </a:prstGeom>
+        </p:spPr>
+      </p:pic>
+      <p:pic>
+        <p:nvPicPr>
+          <p:cNvPr id="3" name="Immagine 2">
+            <a:extLst>
+              <a:ext uri="{FF2B5EF4-FFF2-40B4-BE49-F238E27FC236}">
+                <a16:creationId xmlns:a16="http://schemas.microsoft.com/office/drawing/2014/main" id="{6CE995F7-4EDF-48E0-88B4-02527889EAE7}"/>
+              </a:ext>
+            </a:extLst>
+          </p:cNvPr>
+          <p:cNvPicPr>
+            <a:picLocks noChangeAspect="1"/>
+          </p:cNvPicPr>
+          <p:nvPr/>
+        </p:nvPicPr>
+        <p:blipFill>
+          <a:blip r:embed="rId3"/>
+          <a:stretch>
+            <a:fillRect/>
+          </a:stretch>
+        </p:blipFill>
+        <p:spPr>
+          <a:xfrm>
+            <a:off x="2629326" y="4994704"/>
+            <a:ext cx="2295845" cy="323895"/>
+          </a:xfrm>
+          <a:prstGeom prst="rect">
+            <a:avLst/>
+          </a:prstGeom>
+        </p:spPr>
+      </p:pic>
+      <p:pic>
+        <p:nvPicPr>
+          <p:cNvPr id="5" name="Immagine 4">
+            <a:extLst>
+              <a:ext uri="{FF2B5EF4-FFF2-40B4-BE49-F238E27FC236}">
+                <a16:creationId xmlns:a16="http://schemas.microsoft.com/office/drawing/2014/main" id="{83980616-CE3D-409A-996D-9A3683CD555F}"/>
+              </a:ext>
+            </a:extLst>
+          </p:cNvPr>
+          <p:cNvPicPr>
+            <a:picLocks noChangeAspect="1"/>
+          </p:cNvPicPr>
+          <p:nvPr/>
+        </p:nvPicPr>
+        <p:blipFill>
+          <a:blip r:embed="rId4"/>
+          <a:stretch>
+            <a:fillRect/>
+          </a:stretch>
+        </p:blipFill>
+        <p:spPr>
+          <a:xfrm>
+            <a:off x="2629326" y="5385695"/>
+            <a:ext cx="3029373" cy="419158"/>
+          </a:xfrm>
+          <a:prstGeom prst="rect">
+            <a:avLst/>
+          </a:prstGeom>
+        </p:spPr>
+      </p:pic>
+      <p:pic>
+        <p:nvPicPr>
+          <p:cNvPr id="6" name="Immagine 5">
+            <a:extLst>
+              <a:ext uri="{FF2B5EF4-FFF2-40B4-BE49-F238E27FC236}">
+                <a16:creationId xmlns:a16="http://schemas.microsoft.com/office/drawing/2014/main" id="{F0170B06-B9F4-492D-BFEE-4BD10A4E333C}"/>
+              </a:ext>
+            </a:extLst>
+          </p:cNvPr>
+          <p:cNvPicPr>
+            <a:picLocks noChangeAspect="1"/>
+          </p:cNvPicPr>
+          <p:nvPr/>
+        </p:nvPicPr>
+        <p:blipFill>
+          <a:blip r:embed="rId5"/>
+          <a:stretch>
+            <a:fillRect/>
+          </a:stretch>
+        </p:blipFill>
+        <p:spPr>
+          <a:xfrm>
+            <a:off x="2534062" y="5824534"/>
+            <a:ext cx="2391109" cy="381053"/>
+          </a:xfrm>
+          <a:prstGeom prst="rect">
+            <a:avLst/>
+          </a:prstGeom>
+        </p:spPr>
+      </p:pic>
+      <p:pic>
+        <p:nvPicPr>
+          <p:cNvPr id="7" name="Immagine 6">
+            <a:extLst>
+              <a:ext uri="{FF2B5EF4-FFF2-40B4-BE49-F238E27FC236}">
+                <a16:creationId xmlns:a16="http://schemas.microsoft.com/office/drawing/2014/main" id="{6D6ACD73-B94C-45E3-B629-10F80D93D92D}"/>
+              </a:ext>
+            </a:extLst>
+          </p:cNvPr>
+          <p:cNvPicPr>
+            <a:picLocks noChangeAspect="1"/>
+          </p:cNvPicPr>
+          <p:nvPr/>
+        </p:nvPicPr>
+        <p:blipFill>
+          <a:blip r:embed="rId6"/>
+          <a:stretch>
+            <a:fillRect/>
+          </a:stretch>
+        </p:blipFill>
+        <p:spPr>
+          <a:xfrm>
+            <a:off x="2629326" y="6262259"/>
+            <a:ext cx="2810267" cy="285790"/>
+          </a:xfrm>
+          <a:prstGeom prst="rect">
+            <a:avLst/>
+          </a:prstGeom>
+        </p:spPr>
+      </p:pic>
+      <p:pic>
+        <p:nvPicPr>
+          <p:cNvPr id="8" name="Immagine 7">
+            <a:extLst>
+              <a:ext uri="{FF2B5EF4-FFF2-40B4-BE49-F238E27FC236}">
+                <a16:creationId xmlns:a16="http://schemas.microsoft.com/office/drawing/2014/main" id="{C86C8151-96AF-4D80-8E41-9125418AEC62}"/>
+              </a:ext>
+            </a:extLst>
+          </p:cNvPr>
+          <p:cNvPicPr>
+            <a:picLocks noChangeAspect="1"/>
+          </p:cNvPicPr>
+          <p:nvPr/>
+        </p:nvPicPr>
+        <p:blipFill>
+          <a:blip r:embed="rId7"/>
+          <a:stretch>
+            <a:fillRect/>
+          </a:stretch>
+        </p:blipFill>
+        <p:spPr>
+          <a:xfrm>
+            <a:off x="101227" y="687794"/>
+            <a:ext cx="5687219" cy="666843"/>
           </a:xfrm>
           <a:prstGeom prst="rect">
             <a:avLst/>
@@ -8363,6 +9382,186 @@
           </a:prstGeom>
         </p:spPr>
       </p:pic>
+      <p:pic>
+        <p:nvPicPr>
+          <p:cNvPr id="3" name="Immagine 2">
+            <a:extLst>
+              <a:ext uri="{FF2B5EF4-FFF2-40B4-BE49-F238E27FC236}">
+                <a16:creationId xmlns:a16="http://schemas.microsoft.com/office/drawing/2014/main" id="{42462872-5356-4479-9EC8-4940D1CC2477}"/>
+              </a:ext>
+            </a:extLst>
+          </p:cNvPr>
+          <p:cNvPicPr>
+            <a:picLocks noChangeAspect="1"/>
+          </p:cNvPicPr>
+          <p:nvPr/>
+        </p:nvPicPr>
+        <p:blipFill>
+          <a:blip r:embed="rId3"/>
+          <a:stretch>
+            <a:fillRect/>
+          </a:stretch>
+        </p:blipFill>
+        <p:spPr>
+          <a:xfrm>
+            <a:off x="2530140" y="224168"/>
+            <a:ext cx="4572638" cy="438211"/>
+          </a:xfrm>
+          <a:prstGeom prst="rect">
+            <a:avLst/>
+          </a:prstGeom>
+        </p:spPr>
+      </p:pic>
+      <p:pic>
+        <p:nvPicPr>
+          <p:cNvPr id="5" name="Immagine 4">
+            <a:extLst>
+              <a:ext uri="{FF2B5EF4-FFF2-40B4-BE49-F238E27FC236}">
+                <a16:creationId xmlns:a16="http://schemas.microsoft.com/office/drawing/2014/main" id="{067A8936-E41B-4776-8EB4-84D7278A3BE9}"/>
+              </a:ext>
+            </a:extLst>
+          </p:cNvPr>
+          <p:cNvPicPr>
+            <a:picLocks noChangeAspect="1"/>
+          </p:cNvPicPr>
+          <p:nvPr/>
+        </p:nvPicPr>
+        <p:blipFill>
+          <a:blip r:embed="rId4"/>
+          <a:stretch>
+            <a:fillRect/>
+          </a:stretch>
+        </p:blipFill>
+        <p:spPr>
+          <a:xfrm>
+            <a:off x="2530140" y="793732"/>
+            <a:ext cx="3096057" cy="304843"/>
+          </a:xfrm>
+          <a:prstGeom prst="rect">
+            <a:avLst/>
+          </a:prstGeom>
+        </p:spPr>
+      </p:pic>
+      <p:pic>
+        <p:nvPicPr>
+          <p:cNvPr id="6" name="Immagine 5">
+            <a:extLst>
+              <a:ext uri="{FF2B5EF4-FFF2-40B4-BE49-F238E27FC236}">
+                <a16:creationId xmlns:a16="http://schemas.microsoft.com/office/drawing/2014/main" id="{73380810-8019-427A-A60B-780832BD2E88}"/>
+              </a:ext>
+            </a:extLst>
+          </p:cNvPr>
+          <p:cNvPicPr>
+            <a:picLocks noChangeAspect="1"/>
+          </p:cNvPicPr>
+          <p:nvPr/>
+        </p:nvPicPr>
+        <p:blipFill>
+          <a:blip r:embed="rId5"/>
+          <a:stretch>
+            <a:fillRect/>
+          </a:stretch>
+        </p:blipFill>
+        <p:spPr>
+          <a:xfrm>
+            <a:off x="2353244" y="5778959"/>
+            <a:ext cx="4734586" cy="352474"/>
+          </a:xfrm>
+          <a:prstGeom prst="rect">
+            <a:avLst/>
+          </a:prstGeom>
+        </p:spPr>
+      </p:pic>
+      <p:pic>
+        <p:nvPicPr>
+          <p:cNvPr id="7" name="Immagine 6">
+            <a:extLst>
+              <a:ext uri="{FF2B5EF4-FFF2-40B4-BE49-F238E27FC236}">
+                <a16:creationId xmlns:a16="http://schemas.microsoft.com/office/drawing/2014/main" id="{3F81F086-05D1-4DA1-A7F8-1E07820DC4D5}"/>
+              </a:ext>
+            </a:extLst>
+          </p:cNvPr>
+          <p:cNvPicPr>
+            <a:picLocks noChangeAspect="1"/>
+          </p:cNvPicPr>
+          <p:nvPr/>
+        </p:nvPicPr>
+        <p:blipFill>
+          <a:blip r:embed="rId6"/>
+          <a:stretch>
+            <a:fillRect/>
+          </a:stretch>
+        </p:blipFill>
+        <p:spPr>
+          <a:xfrm>
+            <a:off x="2353244" y="6192232"/>
+            <a:ext cx="2810267" cy="381053"/>
+          </a:xfrm>
+          <a:prstGeom prst="rect">
+            <a:avLst/>
+          </a:prstGeom>
+        </p:spPr>
+      </p:pic>
+      <p:pic>
+        <p:nvPicPr>
+          <p:cNvPr id="8" name="Immagine 7">
+            <a:extLst>
+              <a:ext uri="{FF2B5EF4-FFF2-40B4-BE49-F238E27FC236}">
+                <a16:creationId xmlns:a16="http://schemas.microsoft.com/office/drawing/2014/main" id="{00E90192-2BD6-461F-ABBB-4C285DBA02D2}"/>
+              </a:ext>
+            </a:extLst>
+          </p:cNvPr>
+          <p:cNvPicPr>
+            <a:picLocks noChangeAspect="1"/>
+          </p:cNvPicPr>
+          <p:nvPr/>
+        </p:nvPicPr>
+        <p:blipFill>
+          <a:blip r:embed="rId7"/>
+          <a:stretch>
+            <a:fillRect/>
+          </a:stretch>
+        </p:blipFill>
+        <p:spPr>
+          <a:xfrm>
+            <a:off x="8835050" y="224168"/>
+            <a:ext cx="2410161" cy="333422"/>
+          </a:xfrm>
+          <a:prstGeom prst="rect">
+            <a:avLst/>
+          </a:prstGeom>
+        </p:spPr>
+      </p:pic>
+      <p:pic>
+        <p:nvPicPr>
+          <p:cNvPr id="10" name="Immagine 9">
+            <a:extLst>
+              <a:ext uri="{FF2B5EF4-FFF2-40B4-BE49-F238E27FC236}">
+                <a16:creationId xmlns:a16="http://schemas.microsoft.com/office/drawing/2014/main" id="{FEFED173-3B9C-4425-BB9B-7A5AC7BE81D6}"/>
+              </a:ext>
+            </a:extLst>
+          </p:cNvPr>
+          <p:cNvPicPr>
+            <a:picLocks noChangeAspect="1"/>
+          </p:cNvPicPr>
+          <p:nvPr/>
+        </p:nvPicPr>
+        <p:blipFill>
+          <a:blip r:embed="rId8"/>
+          <a:stretch>
+            <a:fillRect/>
+          </a:stretch>
+        </p:blipFill>
+        <p:spPr>
+          <a:xfrm>
+            <a:off x="292424" y="1371864"/>
+            <a:ext cx="3781953" cy="543001"/>
+          </a:xfrm>
+          <a:prstGeom prst="rect">
+            <a:avLst/>
+          </a:prstGeom>
+        </p:spPr>
+      </p:pic>
     </p:spTree>
     <p:extLst>
       <p:ext uri="{BB962C8B-B14F-4D97-AF65-F5344CB8AC3E}">
@@ -8607,6 +9806,36 @@
           <a:xfrm>
             <a:off x="4586765" y="961812"/>
             <a:ext cx="6091869" cy="4930987"/>
+          </a:xfrm>
+          <a:prstGeom prst="rect">
+            <a:avLst/>
+          </a:prstGeom>
+        </p:spPr>
+      </p:pic>
+      <p:pic>
+        <p:nvPicPr>
+          <p:cNvPr id="6" name="Immagine 5">
+            <a:extLst>
+              <a:ext uri="{FF2B5EF4-FFF2-40B4-BE49-F238E27FC236}">
+                <a16:creationId xmlns:a16="http://schemas.microsoft.com/office/drawing/2014/main" id="{CD3AC4DD-0F35-4D86-A83E-C9FE519ECB4F}"/>
+              </a:ext>
+            </a:extLst>
+          </p:cNvPr>
+          <p:cNvPicPr>
+            <a:picLocks noChangeAspect="1"/>
+          </p:cNvPicPr>
+          <p:nvPr/>
+        </p:nvPicPr>
+        <p:blipFill>
+          <a:blip r:embed="rId3"/>
+          <a:stretch>
+            <a:fillRect/>
+          </a:stretch>
+        </p:blipFill>
+        <p:spPr>
+          <a:xfrm>
+            <a:off x="292424" y="1371864"/>
+            <a:ext cx="3781953" cy="543001"/>
           </a:xfrm>
           <a:prstGeom prst="rect">
             <a:avLst/>
@@ -8893,6 +10122,36 @@
           </a:prstGeom>
         </p:spPr>
       </p:pic>
+      <p:pic>
+        <p:nvPicPr>
+          <p:cNvPr id="7" name="Immagine 6">
+            <a:extLst>
+              <a:ext uri="{FF2B5EF4-FFF2-40B4-BE49-F238E27FC236}">
+                <a16:creationId xmlns:a16="http://schemas.microsoft.com/office/drawing/2014/main" id="{2208062F-865E-4BC7-8195-936B131FFA31}"/>
+              </a:ext>
+            </a:extLst>
+          </p:cNvPr>
+          <p:cNvPicPr>
+            <a:picLocks noChangeAspect="1"/>
+          </p:cNvPicPr>
+          <p:nvPr/>
+        </p:nvPicPr>
+        <p:blipFill>
+          <a:blip r:embed="rId4"/>
+          <a:stretch>
+            <a:fillRect/>
+          </a:stretch>
+        </p:blipFill>
+        <p:spPr>
+          <a:xfrm>
+            <a:off x="320588" y="175259"/>
+            <a:ext cx="3781953" cy="543001"/>
+          </a:xfrm>
+          <a:prstGeom prst="rect">
+            <a:avLst/>
+          </a:prstGeom>
+        </p:spPr>
+      </p:pic>
     </p:spTree>
     <p:extLst>
       <p:ext uri="{BB962C8B-B14F-4D97-AF65-F5344CB8AC3E}">
@@ -9137,6 +10396,36 @@
           <a:xfrm>
             <a:off x="3629465" y="1753784"/>
             <a:ext cx="8562535" cy="4324081"/>
+          </a:xfrm>
+          <a:prstGeom prst="rect">
+            <a:avLst/>
+          </a:prstGeom>
+        </p:spPr>
+      </p:pic>
+      <p:pic>
+        <p:nvPicPr>
+          <p:cNvPr id="6" name="Immagine 5">
+            <a:extLst>
+              <a:ext uri="{FF2B5EF4-FFF2-40B4-BE49-F238E27FC236}">
+                <a16:creationId xmlns:a16="http://schemas.microsoft.com/office/drawing/2014/main" id="{544D5DD5-E262-4640-AB28-CC5CAFA50DBA}"/>
+              </a:ext>
+            </a:extLst>
+          </p:cNvPr>
+          <p:cNvPicPr>
+            <a:picLocks noChangeAspect="1"/>
+          </p:cNvPicPr>
+          <p:nvPr/>
+        </p:nvPicPr>
+        <p:blipFill>
+          <a:blip r:embed="rId3"/>
+          <a:stretch>
+            <a:fillRect/>
+          </a:stretch>
+        </p:blipFill>
+        <p:spPr>
+          <a:xfrm>
+            <a:off x="250221" y="973649"/>
+            <a:ext cx="3781953" cy="543001"/>
           </a:xfrm>
           <a:prstGeom prst="rect">
             <a:avLst/>
@@ -9699,4 +10988,299 @@
     </a:ext>
   </a:extLst>
 </a:theme>
+</file>
+
+<file path=ppt/theme/theme2.xml><?xml version="1.0" encoding="utf-8"?>
+<a:theme xmlns:a="http://schemas.openxmlformats.org/drawingml/2006/main" name="Tema di Office">
+  <a:themeElements>
+    <a:clrScheme name="Office">
+      <a:dk1>
+        <a:sysClr val="windowText" lastClr="000000"/>
+      </a:dk1>
+      <a:lt1>
+        <a:sysClr val="window" lastClr="FFFFFF"/>
+      </a:lt1>
+      <a:dk2>
+        <a:srgbClr val="44546A"/>
+      </a:dk2>
+      <a:lt2>
+        <a:srgbClr val="E7E6E6"/>
+      </a:lt2>
+      <a:accent1>
+        <a:srgbClr val="4472C4"/>
+      </a:accent1>
+      <a:accent2>
+        <a:srgbClr val="ED7D31"/>
+      </a:accent2>
+      <a:accent3>
+        <a:srgbClr val="A5A5A5"/>
+      </a:accent3>
+      <a:accent4>
+        <a:srgbClr val="FFC000"/>
+      </a:accent4>
+      <a:accent5>
+        <a:srgbClr val="5B9BD5"/>
+      </a:accent5>
+      <a:accent6>
+        <a:srgbClr val="70AD47"/>
+      </a:accent6>
+      <a:hlink>
+        <a:srgbClr val="0563C1"/>
+      </a:hlink>
+      <a:folHlink>
+        <a:srgbClr val="954F72"/>
+      </a:folHlink>
+    </a:clrScheme>
+    <a:fontScheme name="Office">
+      <a:majorFont>
+        <a:latin typeface="Calibri Light" panose="020F0302020204030204"/>
+        <a:ea typeface=""/>
+        <a:cs typeface=""/>
+        <a:font script="Jpan" typeface="游ゴシック Light"/>
+        <a:font script="Hang" typeface="맑은 고딕"/>
+        <a:font script="Hans" typeface="等线 Light"/>
+        <a:font script="Hant" typeface="新細明體"/>
+        <a:font script="Arab" typeface="Times New Roman"/>
+        <a:font script="Hebr" typeface="Times New Roman"/>
+        <a:font script="Thai" typeface="Angsana New"/>
+        <a:font script="Ethi" typeface="Nyala"/>
+        <a:font script="Beng" typeface="Vrinda"/>
+        <a:font script="Gujr" typeface="Shruti"/>
+        <a:font script="Khmr" typeface="MoolBoran"/>
+        <a:font script="Knda" typeface="Tunga"/>
+        <a:font script="Guru" typeface="Raavi"/>
+        <a:font script="Cans" typeface="Euphemia"/>
+        <a:font script="Cher" typeface="Plantagenet Cherokee"/>
+        <a:font script="Yiii" typeface="Microsoft Yi Baiti"/>
+        <a:font script="Tibt" typeface="Microsoft Himalaya"/>
+        <a:font script="Thaa" typeface="MV Boli"/>
+        <a:font script="Deva" typeface="Mangal"/>
+        <a:font script="Telu" typeface="Gautami"/>
+        <a:font script="Taml" typeface="Latha"/>
+        <a:font script="Syrc" typeface="Estrangelo Edessa"/>
+        <a:font script="Orya" typeface="Kalinga"/>
+        <a:font script="Mlym" typeface="Kartika"/>
+        <a:font script="Laoo" typeface="DokChampa"/>
+        <a:font script="Sinh" typeface="Iskoola Pota"/>
+        <a:font script="Mong" typeface="Mongolian Baiti"/>
+        <a:font script="Viet" typeface="Times New Roman"/>
+        <a:font script="Uigh" typeface="Microsoft Uighur"/>
+        <a:font script="Geor" typeface="Sylfaen"/>
+        <a:font script="Armn" typeface="Arial"/>
+        <a:font script="Bugi" typeface="Leelawadee UI"/>
+        <a:font script="Bopo" typeface="Microsoft JhengHei"/>
+        <a:font script="Java" typeface="Javanese Text"/>
+        <a:font script="Lisu" typeface="Segoe UI"/>
+        <a:font script="Mymr" typeface="Myanmar Text"/>
+        <a:font script="Nkoo" typeface="Ebrima"/>
+        <a:font script="Olck" typeface="Nirmala UI"/>
+        <a:font script="Osma" typeface="Ebrima"/>
+        <a:font script="Phag" typeface="Phagspa"/>
+        <a:font script="Syrn" typeface="Estrangelo Edessa"/>
+        <a:font script="Syrj" typeface="Estrangelo Edessa"/>
+        <a:font script="Syre" typeface="Estrangelo Edessa"/>
+        <a:font script="Sora" typeface="Nirmala UI"/>
+        <a:font script="Tale" typeface="Microsoft Tai Le"/>
+        <a:font script="Talu" typeface="Microsoft New Tai Lue"/>
+        <a:font script="Tfng" typeface="Ebrima"/>
+      </a:majorFont>
+      <a:minorFont>
+        <a:latin typeface="Calibri" panose="020F0502020204030204"/>
+        <a:ea typeface=""/>
+        <a:cs typeface=""/>
+        <a:font script="Jpan" typeface="游ゴシック"/>
+        <a:font script="Hang" typeface="맑은 고딕"/>
+        <a:font script="Hans" typeface="等线"/>
+        <a:font script="Hant" typeface="新細明體"/>
+        <a:font script="Arab" typeface="Arial"/>
+        <a:font script="Hebr" typeface="Arial"/>
+        <a:font script="Thai" typeface="Cordia New"/>
+        <a:font script="Ethi" typeface="Nyala"/>
+        <a:font script="Beng" typeface="Vrinda"/>
+        <a:font script="Gujr" typeface="Shruti"/>
+        <a:font script="Khmr" typeface="DaunPenh"/>
+        <a:font script="Knda" typeface="Tunga"/>
+        <a:font script="Guru" typeface="Raavi"/>
+        <a:font script="Cans" typeface="Euphemia"/>
+        <a:font script="Cher" typeface="Plantagenet Cherokee"/>
+        <a:font script="Yiii" typeface="Microsoft Yi Baiti"/>
+        <a:font script="Tibt" typeface="Microsoft Himalaya"/>
+        <a:font script="Thaa" typeface="MV Boli"/>
+        <a:font script="Deva" typeface="Mangal"/>
+        <a:font script="Telu" typeface="Gautami"/>
+        <a:font script="Taml" typeface="Latha"/>
+        <a:font script="Syrc" typeface="Estrangelo Edessa"/>
+        <a:font script="Orya" typeface="Kalinga"/>
+        <a:font script="Mlym" typeface="Kartika"/>
+        <a:font script="Laoo" typeface="DokChampa"/>
+        <a:font script="Sinh" typeface="Iskoola Pota"/>
+        <a:font script="Mong" typeface="Mongolian Baiti"/>
+        <a:font script="Viet" typeface="Arial"/>
+        <a:font script="Uigh" typeface="Microsoft Uighur"/>
+        <a:font script="Geor" typeface="Sylfaen"/>
+        <a:font script="Armn" typeface="Arial"/>
+        <a:font script="Bugi" typeface="Leelawadee UI"/>
+        <a:font script="Bopo" typeface="Microsoft JhengHei"/>
+        <a:font script="Java" typeface="Javanese Text"/>
+        <a:font script="Lisu" typeface="Segoe UI"/>
+        <a:font script="Mymr" typeface="Myanmar Text"/>
+        <a:font script="Nkoo" typeface="Ebrima"/>
+        <a:font script="Olck" typeface="Nirmala UI"/>
+        <a:font script="Osma" typeface="Ebrima"/>
+        <a:font script="Phag" typeface="Phagspa"/>
+        <a:font script="Syrn" typeface="Estrangelo Edessa"/>
+        <a:font script="Syrj" typeface="Estrangelo Edessa"/>
+        <a:font script="Syre" typeface="Estrangelo Edessa"/>
+        <a:font script="Sora" typeface="Nirmala UI"/>
+        <a:font script="Tale" typeface="Microsoft Tai Le"/>
+        <a:font script="Talu" typeface="Microsoft New Tai Lue"/>
+        <a:font script="Tfng" typeface="Ebrima"/>
+      </a:minorFont>
+    </a:fontScheme>
+    <a:fmtScheme name="Office">
+      <a:fillStyleLst>
+        <a:solidFill>
+          <a:schemeClr val="phClr"/>
+        </a:solidFill>
+        <a:gradFill rotWithShape="1">
+          <a:gsLst>
+            <a:gs pos="0">
+              <a:schemeClr val="phClr">
+                <a:lumMod val="110000"/>
+                <a:satMod val="105000"/>
+                <a:tint val="67000"/>
+              </a:schemeClr>
+            </a:gs>
+            <a:gs pos="50000">
+              <a:schemeClr val="phClr">
+                <a:lumMod val="105000"/>
+                <a:satMod val="103000"/>
+                <a:tint val="73000"/>
+              </a:schemeClr>
+            </a:gs>
+            <a:gs pos="100000">
+              <a:schemeClr val="phClr">
+                <a:lumMod val="105000"/>
+                <a:satMod val="109000"/>
+                <a:tint val="81000"/>
+              </a:schemeClr>
+            </a:gs>
+          </a:gsLst>
+          <a:lin ang="5400000" scaled="0"/>
+        </a:gradFill>
+        <a:gradFill rotWithShape="1">
+          <a:gsLst>
+            <a:gs pos="0">
+              <a:schemeClr val="phClr">
+                <a:satMod val="103000"/>
+                <a:lumMod val="102000"/>
+                <a:tint val="94000"/>
+              </a:schemeClr>
+            </a:gs>
+            <a:gs pos="50000">
+              <a:schemeClr val="phClr">
+                <a:satMod val="110000"/>
+                <a:lumMod val="100000"/>
+                <a:shade val="100000"/>
+              </a:schemeClr>
+            </a:gs>
+            <a:gs pos="100000">
+              <a:schemeClr val="phClr">
+                <a:lumMod val="99000"/>
+                <a:satMod val="120000"/>
+                <a:shade val="78000"/>
+              </a:schemeClr>
+            </a:gs>
+          </a:gsLst>
+          <a:lin ang="5400000" scaled="0"/>
+        </a:gradFill>
+      </a:fillStyleLst>
+      <a:lnStyleLst>
+        <a:ln w="6350" cap="flat" cmpd="sng" algn="ctr">
+          <a:solidFill>
+            <a:schemeClr val="phClr"/>
+          </a:solidFill>
+          <a:prstDash val="solid"/>
+          <a:miter lim="800000"/>
+        </a:ln>
+        <a:ln w="12700" cap="flat" cmpd="sng" algn="ctr">
+          <a:solidFill>
+            <a:schemeClr val="phClr"/>
+          </a:solidFill>
+          <a:prstDash val="solid"/>
+          <a:miter lim="800000"/>
+        </a:ln>
+        <a:ln w="19050" cap="flat" cmpd="sng" algn="ctr">
+          <a:solidFill>
+            <a:schemeClr val="phClr"/>
+          </a:solidFill>
+          <a:prstDash val="solid"/>
+          <a:miter lim="800000"/>
+        </a:ln>
+      </a:lnStyleLst>
+      <a:effectStyleLst>
+        <a:effectStyle>
+          <a:effectLst/>
+        </a:effectStyle>
+        <a:effectStyle>
+          <a:effectLst/>
+        </a:effectStyle>
+        <a:effectStyle>
+          <a:effectLst>
+            <a:outerShdw blurRad="57150" dist="19050" dir="5400000" algn="ctr" rotWithShape="0">
+              <a:srgbClr val="000000">
+                <a:alpha val="63000"/>
+              </a:srgbClr>
+            </a:outerShdw>
+          </a:effectLst>
+        </a:effectStyle>
+      </a:effectStyleLst>
+      <a:bgFillStyleLst>
+        <a:solidFill>
+          <a:schemeClr val="phClr"/>
+        </a:solidFill>
+        <a:solidFill>
+          <a:schemeClr val="phClr">
+            <a:tint val="95000"/>
+            <a:satMod val="170000"/>
+          </a:schemeClr>
+        </a:solidFill>
+        <a:gradFill rotWithShape="1">
+          <a:gsLst>
+            <a:gs pos="0">
+              <a:schemeClr val="phClr">
+                <a:tint val="93000"/>
+                <a:satMod val="150000"/>
+                <a:shade val="98000"/>
+                <a:lumMod val="102000"/>
+              </a:schemeClr>
+            </a:gs>
+            <a:gs pos="50000">
+              <a:schemeClr val="phClr">
+                <a:tint val="98000"/>
+                <a:satMod val="130000"/>
+                <a:shade val="90000"/>
+                <a:lumMod val="103000"/>
+              </a:schemeClr>
+            </a:gs>
+            <a:gs pos="100000">
+              <a:schemeClr val="phClr">
+                <a:shade val="63000"/>
+                <a:satMod val="120000"/>
+              </a:schemeClr>
+            </a:gs>
+          </a:gsLst>
+          <a:lin ang="5400000" scaled="0"/>
+        </a:gradFill>
+      </a:bgFillStyleLst>
+    </a:fmtScheme>
+  </a:themeElements>
+  <a:objectDefaults/>
+  <a:extraClrSchemeLst/>
+  <a:extLst>
+    <a:ext uri="{05A4C25C-085E-4340-85A3-A5531E510DB2}">
+      <thm15:themeFamily xmlns:thm15="http://schemas.microsoft.com/office/thememl/2012/main" name="Office Theme" id="{62F939B6-93AF-4DB8-9C6B-D6C7DFDC589F}" vid="{4A3C46E8-61CC-4603-A589-7422A47A8E4A}"/>
+    </a:ext>
+  </a:extLst>
+</a:theme>
 </file>